--- a/espec010_checkboxes/static/exibir_todos.pptx
+++ b/espec010_checkboxes/static/exibir_todos.pptx
@@ -236,9 +236,9 @@
           <a:bodyPr/>
           <a:lstStyle/>
           <a:p>
-            <a:fld id="{3A0DAA07-CF2D-474F-8DA5-76E4D95615C8}" type="datetimeFigureOut">
-              <a:rPr lang="pt-BR" smtClean="0"/>
-              <a:t>20/11/2019</a:t>
+            <a:fld id="{EFA6690C-3592-416F-81CF-C14D263CD344}" type="datetimeFigureOut">
+              <a:rPr lang="pt-BR" smtClean="0"/>
+              <a:t>07/01/2020</a:t>
             </a:fld>
             <a:endParaRPr lang="pt-BR"/>
           </a:p>
@@ -278,7 +278,7 @@
           <a:bodyPr/>
           <a:lstStyle/>
           <a:p>
-            <a:fld id="{7D54B00B-27F3-4B06-A6BD-075FE194A68B}" type="slidenum">
+            <a:fld id="{AA0F5DA8-B9AF-41BE-A225-27A4D514033C}" type="slidenum">
               <a:rPr lang="pt-BR" smtClean="0"/>
               <a:t>‹nº›</a:t>
             </a:fld>
@@ -289,7 +289,7 @@
     </p:spTree>
     <p:extLst>
       <p:ext uri="{BB962C8B-B14F-4D97-AF65-F5344CB8AC3E}">
-        <p14:creationId xmlns:p14="http://schemas.microsoft.com/office/powerpoint/2010/main" val="1201032156"/>
+        <p14:creationId xmlns:p14="http://schemas.microsoft.com/office/powerpoint/2010/main" val="328644801"/>
       </p:ext>
     </p:extLst>
   </p:cSld>
@@ -406,9 +406,9 @@
           <a:bodyPr/>
           <a:lstStyle/>
           <a:p>
-            <a:fld id="{3A0DAA07-CF2D-474F-8DA5-76E4D95615C8}" type="datetimeFigureOut">
-              <a:rPr lang="pt-BR" smtClean="0"/>
-              <a:t>20/11/2019</a:t>
+            <a:fld id="{EFA6690C-3592-416F-81CF-C14D263CD344}" type="datetimeFigureOut">
+              <a:rPr lang="pt-BR" smtClean="0"/>
+              <a:t>07/01/2020</a:t>
             </a:fld>
             <a:endParaRPr lang="pt-BR"/>
           </a:p>
@@ -448,7 +448,7 @@
           <a:bodyPr/>
           <a:lstStyle/>
           <a:p>
-            <a:fld id="{7D54B00B-27F3-4B06-A6BD-075FE194A68B}" type="slidenum">
+            <a:fld id="{AA0F5DA8-B9AF-41BE-A225-27A4D514033C}" type="slidenum">
               <a:rPr lang="pt-BR" smtClean="0"/>
               <a:t>‹nº›</a:t>
             </a:fld>
@@ -459,7 +459,7 @@
     </p:spTree>
     <p:extLst>
       <p:ext uri="{BB962C8B-B14F-4D97-AF65-F5344CB8AC3E}">
-        <p14:creationId xmlns:p14="http://schemas.microsoft.com/office/powerpoint/2010/main" val="3876432210"/>
+        <p14:creationId xmlns:p14="http://schemas.microsoft.com/office/powerpoint/2010/main" val="3201507564"/>
       </p:ext>
     </p:extLst>
   </p:cSld>
@@ -586,9 +586,9 @@
           <a:bodyPr/>
           <a:lstStyle/>
           <a:p>
-            <a:fld id="{3A0DAA07-CF2D-474F-8DA5-76E4D95615C8}" type="datetimeFigureOut">
-              <a:rPr lang="pt-BR" smtClean="0"/>
-              <a:t>20/11/2019</a:t>
+            <a:fld id="{EFA6690C-3592-416F-81CF-C14D263CD344}" type="datetimeFigureOut">
+              <a:rPr lang="pt-BR" smtClean="0"/>
+              <a:t>07/01/2020</a:t>
             </a:fld>
             <a:endParaRPr lang="pt-BR"/>
           </a:p>
@@ -628,7 +628,7 @@
           <a:bodyPr/>
           <a:lstStyle/>
           <a:p>
-            <a:fld id="{7D54B00B-27F3-4B06-A6BD-075FE194A68B}" type="slidenum">
+            <a:fld id="{AA0F5DA8-B9AF-41BE-A225-27A4D514033C}" type="slidenum">
               <a:rPr lang="pt-BR" smtClean="0"/>
               <a:t>‹nº›</a:t>
             </a:fld>
@@ -639,7 +639,7 @@
     </p:spTree>
     <p:extLst>
       <p:ext uri="{BB962C8B-B14F-4D97-AF65-F5344CB8AC3E}">
-        <p14:creationId xmlns:p14="http://schemas.microsoft.com/office/powerpoint/2010/main" val="1884201229"/>
+        <p14:creationId xmlns:p14="http://schemas.microsoft.com/office/powerpoint/2010/main" val="1270311697"/>
       </p:ext>
     </p:extLst>
   </p:cSld>
@@ -756,9 +756,9 @@
           <a:bodyPr/>
           <a:lstStyle/>
           <a:p>
-            <a:fld id="{3A0DAA07-CF2D-474F-8DA5-76E4D95615C8}" type="datetimeFigureOut">
-              <a:rPr lang="pt-BR" smtClean="0"/>
-              <a:t>20/11/2019</a:t>
+            <a:fld id="{EFA6690C-3592-416F-81CF-C14D263CD344}" type="datetimeFigureOut">
+              <a:rPr lang="pt-BR" smtClean="0"/>
+              <a:t>07/01/2020</a:t>
             </a:fld>
             <a:endParaRPr lang="pt-BR"/>
           </a:p>
@@ -798,7 +798,7 @@
           <a:bodyPr/>
           <a:lstStyle/>
           <a:p>
-            <a:fld id="{7D54B00B-27F3-4B06-A6BD-075FE194A68B}" type="slidenum">
+            <a:fld id="{AA0F5DA8-B9AF-41BE-A225-27A4D514033C}" type="slidenum">
               <a:rPr lang="pt-BR" smtClean="0"/>
               <a:t>‹nº›</a:t>
             </a:fld>
@@ -809,7 +809,7 @@
     </p:spTree>
     <p:extLst>
       <p:ext uri="{BB962C8B-B14F-4D97-AF65-F5344CB8AC3E}">
-        <p14:creationId xmlns:p14="http://schemas.microsoft.com/office/powerpoint/2010/main" val="974311941"/>
+        <p14:creationId xmlns:p14="http://schemas.microsoft.com/office/powerpoint/2010/main" val="2396560316"/>
       </p:ext>
     </p:extLst>
   </p:cSld>
@@ -1002,9 +1002,9 @@
           <a:bodyPr/>
           <a:lstStyle/>
           <a:p>
-            <a:fld id="{3A0DAA07-CF2D-474F-8DA5-76E4D95615C8}" type="datetimeFigureOut">
-              <a:rPr lang="pt-BR" smtClean="0"/>
-              <a:t>20/11/2019</a:t>
+            <a:fld id="{EFA6690C-3592-416F-81CF-C14D263CD344}" type="datetimeFigureOut">
+              <a:rPr lang="pt-BR" smtClean="0"/>
+              <a:t>07/01/2020</a:t>
             </a:fld>
             <a:endParaRPr lang="pt-BR"/>
           </a:p>
@@ -1044,7 +1044,7 @@
           <a:bodyPr/>
           <a:lstStyle/>
           <a:p>
-            <a:fld id="{7D54B00B-27F3-4B06-A6BD-075FE194A68B}" type="slidenum">
+            <a:fld id="{AA0F5DA8-B9AF-41BE-A225-27A4D514033C}" type="slidenum">
               <a:rPr lang="pt-BR" smtClean="0"/>
               <a:t>‹nº›</a:t>
             </a:fld>
@@ -1055,7 +1055,7 @@
     </p:spTree>
     <p:extLst>
       <p:ext uri="{BB962C8B-B14F-4D97-AF65-F5344CB8AC3E}">
-        <p14:creationId xmlns:p14="http://schemas.microsoft.com/office/powerpoint/2010/main" val="1706754733"/>
+        <p14:creationId xmlns:p14="http://schemas.microsoft.com/office/powerpoint/2010/main" val="1374799524"/>
       </p:ext>
     </p:extLst>
   </p:cSld>
@@ -1234,9 +1234,9 @@
           <a:bodyPr/>
           <a:lstStyle/>
           <a:p>
-            <a:fld id="{3A0DAA07-CF2D-474F-8DA5-76E4D95615C8}" type="datetimeFigureOut">
-              <a:rPr lang="pt-BR" smtClean="0"/>
-              <a:t>20/11/2019</a:t>
+            <a:fld id="{EFA6690C-3592-416F-81CF-C14D263CD344}" type="datetimeFigureOut">
+              <a:rPr lang="pt-BR" smtClean="0"/>
+              <a:t>07/01/2020</a:t>
             </a:fld>
             <a:endParaRPr lang="pt-BR"/>
           </a:p>
@@ -1276,7 +1276,7 @@
           <a:bodyPr/>
           <a:lstStyle/>
           <a:p>
-            <a:fld id="{7D54B00B-27F3-4B06-A6BD-075FE194A68B}" type="slidenum">
+            <a:fld id="{AA0F5DA8-B9AF-41BE-A225-27A4D514033C}" type="slidenum">
               <a:rPr lang="pt-BR" smtClean="0"/>
               <a:t>‹nº›</a:t>
             </a:fld>
@@ -1287,7 +1287,7 @@
     </p:spTree>
     <p:extLst>
       <p:ext uri="{BB962C8B-B14F-4D97-AF65-F5344CB8AC3E}">
-        <p14:creationId xmlns:p14="http://schemas.microsoft.com/office/powerpoint/2010/main" val="116753933"/>
+        <p14:creationId xmlns:p14="http://schemas.microsoft.com/office/powerpoint/2010/main" val="954796091"/>
       </p:ext>
     </p:extLst>
   </p:cSld>
@@ -1601,9 +1601,9 @@
           <a:bodyPr/>
           <a:lstStyle/>
           <a:p>
-            <a:fld id="{3A0DAA07-CF2D-474F-8DA5-76E4D95615C8}" type="datetimeFigureOut">
-              <a:rPr lang="pt-BR" smtClean="0"/>
-              <a:t>20/11/2019</a:t>
+            <a:fld id="{EFA6690C-3592-416F-81CF-C14D263CD344}" type="datetimeFigureOut">
+              <a:rPr lang="pt-BR" smtClean="0"/>
+              <a:t>07/01/2020</a:t>
             </a:fld>
             <a:endParaRPr lang="pt-BR"/>
           </a:p>
@@ -1643,7 +1643,7 @@
           <a:bodyPr/>
           <a:lstStyle/>
           <a:p>
-            <a:fld id="{7D54B00B-27F3-4B06-A6BD-075FE194A68B}" type="slidenum">
+            <a:fld id="{AA0F5DA8-B9AF-41BE-A225-27A4D514033C}" type="slidenum">
               <a:rPr lang="pt-BR" smtClean="0"/>
               <a:t>‹nº›</a:t>
             </a:fld>
@@ -1654,7 +1654,7 @@
     </p:spTree>
     <p:extLst>
       <p:ext uri="{BB962C8B-B14F-4D97-AF65-F5344CB8AC3E}">
-        <p14:creationId xmlns:p14="http://schemas.microsoft.com/office/powerpoint/2010/main" val="3730811430"/>
+        <p14:creationId xmlns:p14="http://schemas.microsoft.com/office/powerpoint/2010/main" val="845911340"/>
       </p:ext>
     </p:extLst>
   </p:cSld>
@@ -1719,9 +1719,9 @@
           <a:bodyPr/>
           <a:lstStyle/>
           <a:p>
-            <a:fld id="{3A0DAA07-CF2D-474F-8DA5-76E4D95615C8}" type="datetimeFigureOut">
-              <a:rPr lang="pt-BR" smtClean="0"/>
-              <a:t>20/11/2019</a:t>
+            <a:fld id="{EFA6690C-3592-416F-81CF-C14D263CD344}" type="datetimeFigureOut">
+              <a:rPr lang="pt-BR" smtClean="0"/>
+              <a:t>07/01/2020</a:t>
             </a:fld>
             <a:endParaRPr lang="pt-BR"/>
           </a:p>
@@ -1761,7 +1761,7 @@
           <a:bodyPr/>
           <a:lstStyle/>
           <a:p>
-            <a:fld id="{7D54B00B-27F3-4B06-A6BD-075FE194A68B}" type="slidenum">
+            <a:fld id="{AA0F5DA8-B9AF-41BE-A225-27A4D514033C}" type="slidenum">
               <a:rPr lang="pt-BR" smtClean="0"/>
               <a:t>‹nº›</a:t>
             </a:fld>
@@ -1772,7 +1772,7 @@
     </p:spTree>
     <p:extLst>
       <p:ext uri="{BB962C8B-B14F-4D97-AF65-F5344CB8AC3E}">
-        <p14:creationId xmlns:p14="http://schemas.microsoft.com/office/powerpoint/2010/main" val="2560508519"/>
+        <p14:creationId xmlns:p14="http://schemas.microsoft.com/office/powerpoint/2010/main" val="1566651218"/>
       </p:ext>
     </p:extLst>
   </p:cSld>
@@ -1814,9 +1814,9 @@
           <a:bodyPr/>
           <a:lstStyle/>
           <a:p>
-            <a:fld id="{3A0DAA07-CF2D-474F-8DA5-76E4D95615C8}" type="datetimeFigureOut">
-              <a:rPr lang="pt-BR" smtClean="0"/>
-              <a:t>20/11/2019</a:t>
+            <a:fld id="{EFA6690C-3592-416F-81CF-C14D263CD344}" type="datetimeFigureOut">
+              <a:rPr lang="pt-BR" smtClean="0"/>
+              <a:t>07/01/2020</a:t>
             </a:fld>
             <a:endParaRPr lang="pt-BR"/>
           </a:p>
@@ -1856,7 +1856,7 @@
           <a:bodyPr/>
           <a:lstStyle/>
           <a:p>
-            <a:fld id="{7D54B00B-27F3-4B06-A6BD-075FE194A68B}" type="slidenum">
+            <a:fld id="{AA0F5DA8-B9AF-41BE-A225-27A4D514033C}" type="slidenum">
               <a:rPr lang="pt-BR" smtClean="0"/>
               <a:t>‹nº›</a:t>
             </a:fld>
@@ -1867,7 +1867,7 @@
     </p:spTree>
     <p:extLst>
       <p:ext uri="{BB962C8B-B14F-4D97-AF65-F5344CB8AC3E}">
-        <p14:creationId xmlns:p14="http://schemas.microsoft.com/office/powerpoint/2010/main" val="362531402"/>
+        <p14:creationId xmlns:p14="http://schemas.microsoft.com/office/powerpoint/2010/main" val="3037741508"/>
       </p:ext>
     </p:extLst>
   </p:cSld>
@@ -2091,9 +2091,9 @@
           <a:bodyPr/>
           <a:lstStyle/>
           <a:p>
-            <a:fld id="{3A0DAA07-CF2D-474F-8DA5-76E4D95615C8}" type="datetimeFigureOut">
-              <a:rPr lang="pt-BR" smtClean="0"/>
-              <a:t>20/11/2019</a:t>
+            <a:fld id="{EFA6690C-3592-416F-81CF-C14D263CD344}" type="datetimeFigureOut">
+              <a:rPr lang="pt-BR" smtClean="0"/>
+              <a:t>07/01/2020</a:t>
             </a:fld>
             <a:endParaRPr lang="pt-BR"/>
           </a:p>
@@ -2133,7 +2133,7 @@
           <a:bodyPr/>
           <a:lstStyle/>
           <a:p>
-            <a:fld id="{7D54B00B-27F3-4B06-A6BD-075FE194A68B}" type="slidenum">
+            <a:fld id="{AA0F5DA8-B9AF-41BE-A225-27A4D514033C}" type="slidenum">
               <a:rPr lang="pt-BR" smtClean="0"/>
               <a:t>‹nº›</a:t>
             </a:fld>
@@ -2144,7 +2144,7 @@
     </p:spTree>
     <p:extLst>
       <p:ext uri="{BB962C8B-B14F-4D97-AF65-F5344CB8AC3E}">
-        <p14:creationId xmlns:p14="http://schemas.microsoft.com/office/powerpoint/2010/main" val="2277559489"/>
+        <p14:creationId xmlns:p14="http://schemas.microsoft.com/office/powerpoint/2010/main" val="909690302"/>
       </p:ext>
     </p:extLst>
   </p:cSld>
@@ -2344,9 +2344,9 @@
           <a:bodyPr/>
           <a:lstStyle/>
           <a:p>
-            <a:fld id="{3A0DAA07-CF2D-474F-8DA5-76E4D95615C8}" type="datetimeFigureOut">
-              <a:rPr lang="pt-BR" smtClean="0"/>
-              <a:t>20/11/2019</a:t>
+            <a:fld id="{EFA6690C-3592-416F-81CF-C14D263CD344}" type="datetimeFigureOut">
+              <a:rPr lang="pt-BR" smtClean="0"/>
+              <a:t>07/01/2020</a:t>
             </a:fld>
             <a:endParaRPr lang="pt-BR"/>
           </a:p>
@@ -2386,7 +2386,7 @@
           <a:bodyPr/>
           <a:lstStyle/>
           <a:p>
-            <a:fld id="{7D54B00B-27F3-4B06-A6BD-075FE194A68B}" type="slidenum">
+            <a:fld id="{AA0F5DA8-B9AF-41BE-A225-27A4D514033C}" type="slidenum">
               <a:rPr lang="pt-BR" smtClean="0"/>
               <a:t>‹nº›</a:t>
             </a:fld>
@@ -2397,7 +2397,7 @@
     </p:spTree>
     <p:extLst>
       <p:ext uri="{BB962C8B-B14F-4D97-AF65-F5344CB8AC3E}">
-        <p14:creationId xmlns:p14="http://schemas.microsoft.com/office/powerpoint/2010/main" val="1535793454"/>
+        <p14:creationId xmlns:p14="http://schemas.microsoft.com/office/powerpoint/2010/main" val="1858636817"/>
       </p:ext>
     </p:extLst>
   </p:cSld>
@@ -2557,9 +2557,9 @@
             </a:lvl1pPr>
           </a:lstStyle>
           <a:p>
-            <a:fld id="{3A0DAA07-CF2D-474F-8DA5-76E4D95615C8}" type="datetimeFigureOut">
-              <a:rPr lang="pt-BR" smtClean="0"/>
-              <a:t>20/11/2019</a:t>
+            <a:fld id="{EFA6690C-3592-416F-81CF-C14D263CD344}" type="datetimeFigureOut">
+              <a:rPr lang="pt-BR" smtClean="0"/>
+              <a:t>07/01/2020</a:t>
             </a:fld>
             <a:endParaRPr lang="pt-BR"/>
           </a:p>
@@ -2635,7 +2635,7 @@
             </a:lvl1pPr>
           </a:lstStyle>
           <a:p>
-            <a:fld id="{7D54B00B-27F3-4B06-A6BD-075FE194A68B}" type="slidenum">
+            <a:fld id="{AA0F5DA8-B9AF-41BE-A225-27A4D514033C}" type="slidenum">
               <a:rPr lang="pt-BR" smtClean="0"/>
               <a:t>‹nº›</a:t>
             </a:fld>
@@ -2646,7 +2646,7 @@
     </p:spTree>
     <p:extLst>
       <p:ext uri="{BB962C8B-B14F-4D97-AF65-F5344CB8AC3E}">
-        <p14:creationId xmlns:p14="http://schemas.microsoft.com/office/powerpoint/2010/main" val="3681373160"/>
+        <p14:creationId xmlns:p14="http://schemas.microsoft.com/office/powerpoint/2010/main" val="3357787188"/>
       </p:ext>
     </p:extLst>
   </p:cSld>
@@ -2964,44 +2964,6 @@
           <a:chExt cx="0" cy="0"/>
         </a:xfrm>
       </p:grpSpPr>
-      <p:sp>
-        <p:nvSpPr>
-          <p:cNvPr id="2" name="Título 1"/>
-          <p:cNvSpPr>
-            <a:spLocks noGrp="1"/>
-          </p:cNvSpPr>
-          <p:nvPr>
-            <p:ph type="ctrTitle"/>
-          </p:nvPr>
-        </p:nvSpPr>
-        <p:spPr/>
-        <p:txBody>
-          <a:bodyPr/>
-          <a:lstStyle/>
-          <a:p>
-            <a:endParaRPr lang="pt-BR"/>
-          </a:p>
-        </p:txBody>
-      </p:sp>
-      <p:sp>
-        <p:nvSpPr>
-          <p:cNvPr id="3" name="Subtítulo 2"/>
-          <p:cNvSpPr>
-            <a:spLocks noGrp="1"/>
-          </p:cNvSpPr>
-          <p:nvPr>
-            <p:ph type="subTitle" idx="1"/>
-          </p:nvPr>
-        </p:nvSpPr>
-        <p:spPr/>
-        <p:txBody>
-          <a:bodyPr/>
-          <a:lstStyle/>
-          <a:p>
-            <a:endParaRPr lang="pt-BR"/>
-          </a:p>
-        </p:txBody>
-      </p:sp>
       <p:pic>
         <p:nvPicPr>
           <p:cNvPr id="4" name="Imagem 3"/>
@@ -3018,44 +2980,14 @@
         </p:blipFill>
         <p:spPr>
           <a:xfrm>
-            <a:off x="744518" y="1014413"/>
-            <a:ext cx="10896600" cy="4991100"/>
+            <a:off x="710005" y="666973"/>
+            <a:ext cx="10953750" cy="4800600"/>
           </a:xfrm>
           <a:prstGeom prst="rect">
             <a:avLst/>
           </a:prstGeom>
         </p:spPr>
       </p:pic>
-      <p:sp>
-        <p:nvSpPr>
-          <p:cNvPr id="5" name="CaixaDeTexto 4"/>
-          <p:cNvSpPr txBox="1"/>
-          <p:nvPr/>
-        </p:nvSpPr>
-        <p:spPr>
-          <a:xfrm>
-            <a:off x="1440629" y="2402028"/>
-            <a:ext cx="1073973" cy="246221"/>
-          </a:xfrm>
-          <a:prstGeom prst="rect">
-            <a:avLst/>
-          </a:prstGeom>
-          <a:noFill/>
-        </p:spPr>
-        <p:txBody>
-          <a:bodyPr wrap="square" rtlCol="0">
-            <a:spAutoFit/>
-          </a:bodyPr>
-          <a:lstStyle/>
-          <a:p>
-            <a:r>
-              <a:rPr lang="pt-BR" sz="1000" b="1" dirty="0" smtClean="0"/>
-              <a:t>Exibir Todos</a:t>
-            </a:r>
-            <a:endParaRPr lang="pt-BR" sz="1000" b="1" dirty="0"/>
-          </a:p>
-        </p:txBody>
-      </p:sp>
       <p:pic>
         <p:nvPicPr>
           <p:cNvPr id="6" name="Imagem 5"/>
@@ -3064,16 +2996,15 @@
           </p:cNvPicPr>
           <p:nvPr/>
         </p:nvPicPr>
-        <p:blipFill>
+        <p:blipFill rotWithShape="1">
           <a:blip r:embed="rId3"/>
-          <a:stretch>
-            <a:fillRect/>
-          </a:stretch>
+          <a:srcRect r="20021" b="14886"/>
+          <a:stretch/>
         </p:blipFill>
         <p:spPr>
           <a:xfrm>
-            <a:off x="1221554" y="2402028"/>
-            <a:ext cx="219075" cy="257175"/>
+            <a:off x="1052959" y="1945117"/>
+            <a:ext cx="205685" cy="210783"/>
           </a:xfrm>
           <a:prstGeom prst="rect">
             <a:avLst/>
@@ -3082,20 +3013,103 @@
       </p:pic>
       <p:sp>
         <p:nvSpPr>
-          <p:cNvPr id="7" name="Elipse 6"/>
+          <p:cNvPr id="7" name="CaixaDeTexto 6"/>
+          <p:cNvSpPr txBox="1"/>
+          <p:nvPr/>
+        </p:nvSpPr>
+        <p:spPr>
+          <a:xfrm>
+            <a:off x="1258644" y="1929989"/>
+            <a:ext cx="860612" cy="246221"/>
+          </a:xfrm>
+          <a:prstGeom prst="rect">
+            <a:avLst/>
+          </a:prstGeom>
+          <a:noFill/>
+        </p:spPr>
+        <p:txBody>
+          <a:bodyPr wrap="square" rtlCol="0">
+            <a:spAutoFit/>
+          </a:bodyPr>
+          <a:lstStyle/>
+          <a:p>
+            <a:r>
+              <a:rPr lang="pt-BR" sz="1000" b="1" dirty="0" smtClean="0"/>
+              <a:t>Exibir todos</a:t>
+            </a:r>
+            <a:endParaRPr lang="pt-BR" sz="1000" b="1" dirty="0"/>
+          </a:p>
+        </p:txBody>
+      </p:sp>
+      <p:pic>
+        <p:nvPicPr>
+          <p:cNvPr id="8" name="Imagem 7"/>
+          <p:cNvPicPr>
+            <a:picLocks noChangeAspect="1"/>
+          </p:cNvPicPr>
+          <p:nvPr/>
+        </p:nvPicPr>
+        <p:blipFill rotWithShape="1">
+          <a:blip r:embed="rId3"/>
+          <a:srcRect r="20021" b="14886"/>
+          <a:stretch/>
+        </p:blipFill>
+        <p:spPr>
+          <a:xfrm>
+            <a:off x="2270366" y="1965427"/>
+            <a:ext cx="205685" cy="210783"/>
+          </a:xfrm>
+          <a:prstGeom prst="rect">
+            <a:avLst/>
+          </a:prstGeom>
+        </p:spPr>
+      </p:pic>
+      <p:sp>
+        <p:nvSpPr>
+          <p:cNvPr id="9" name="CaixaDeTexto 8"/>
+          <p:cNvSpPr txBox="1"/>
+          <p:nvPr/>
+        </p:nvSpPr>
+        <p:spPr>
+          <a:xfrm>
+            <a:off x="2476050" y="1965427"/>
+            <a:ext cx="1073973" cy="246221"/>
+          </a:xfrm>
+          <a:prstGeom prst="rect">
+            <a:avLst/>
+          </a:prstGeom>
+          <a:noFill/>
+        </p:spPr>
+        <p:txBody>
+          <a:bodyPr wrap="square" rtlCol="0">
+            <a:spAutoFit/>
+          </a:bodyPr>
+          <a:lstStyle/>
+          <a:p>
+            <a:r>
+              <a:rPr lang="pt-BR" sz="1000" b="1" dirty="0" smtClean="0"/>
+              <a:t>Não exibir todos</a:t>
+            </a:r>
+            <a:endParaRPr lang="pt-BR" sz="1000" b="1" dirty="0"/>
+          </a:p>
+        </p:txBody>
+      </p:sp>
+      <p:sp>
+        <p:nvSpPr>
+          <p:cNvPr id="10" name="Elipse 9"/>
           <p:cNvSpPr/>
           <p:nvPr/>
         </p:nvSpPr>
         <p:spPr>
           <a:xfrm>
-            <a:off x="806824" y="2076226"/>
-            <a:ext cx="1850315" cy="925158"/>
+            <a:off x="849854" y="1688951"/>
+            <a:ext cx="3463962" cy="742277"/>
           </a:xfrm>
           <a:prstGeom prst="ellipse">
             <a:avLst/>
           </a:prstGeom>
           <a:noFill/>
-          <a:ln w="57150">
+          <a:ln w="38100">
             <a:solidFill>
               <a:srgbClr val="FF0000"/>
             </a:solidFill>
@@ -3129,7 +3143,7 @@
     </p:spTree>
     <p:extLst>
       <p:ext uri="{BB962C8B-B14F-4D97-AF65-F5344CB8AC3E}">
-        <p14:creationId xmlns:p14="http://schemas.microsoft.com/office/powerpoint/2010/main" val="1078263296"/>
+        <p14:creationId xmlns:p14="http://schemas.microsoft.com/office/powerpoint/2010/main" val="2844899875"/>
       </p:ext>
     </p:extLst>
   </p:cSld>
